--- a/docs/Introduction_To_Microservices_Part_1.pptx
+++ b/docs/Introduction_To_Microservices_Part_1.pptx
@@ -14,6 +14,8 @@
     <p:sldId id="258" r:id="rId8"/>
     <p:sldId id="260" r:id="rId9"/>
     <p:sldId id="265" r:id="rId10"/>
+    <p:sldId id="269" r:id="rId11"/>
+    <p:sldId id="271" r:id="rId12"/>
   </p:sldIdLst>
   <p:sldSz cx="12192000" cy="6858000"/>
   <p:notesSz cx="6858000" cy="9144000"/>
@@ -866,7 +868,7 @@
             <a:fld id="{B61BEF0D-F0BB-DE4B-95CE-6DB70DBA9567}" type="datetimeFigureOut">
               <a:rPr lang="en-US" dirty="0"/>
               <a:pPr/>
-              <a:t>7/18/2019</a:t>
+              <a:t>7/19/2019</a:t>
             </a:fld>
             <a:endParaRPr lang="en-US" dirty="0"/>
           </a:p>
@@ -1114,7 +1116,7 @@
             <a:fld id="{B61BEF0D-F0BB-DE4B-95CE-6DB70DBA9567}" type="datetimeFigureOut">
               <a:rPr lang="en-US" dirty="0"/>
               <a:pPr/>
-              <a:t>7/18/2019</a:t>
+              <a:t>7/19/2019</a:t>
             </a:fld>
             <a:endParaRPr lang="en-US" dirty="0"/>
           </a:p>
@@ -1425,7 +1427,7 @@
             <a:fld id="{B61BEF0D-F0BB-DE4B-95CE-6DB70DBA9567}" type="datetimeFigureOut">
               <a:rPr lang="en-US" dirty="0"/>
               <a:pPr/>
-              <a:t>7/18/2019</a:t>
+              <a:t>7/19/2019</a:t>
             </a:fld>
             <a:endParaRPr lang="en-US" dirty="0"/>
           </a:p>
@@ -1755,7 +1757,7 @@
             <a:fld id="{B61BEF0D-F0BB-DE4B-95CE-6DB70DBA9567}" type="datetimeFigureOut">
               <a:rPr lang="en-US" dirty="0"/>
               <a:pPr/>
-              <a:t>7/18/2019</a:t>
+              <a:t>7/19/2019</a:t>
             </a:fld>
             <a:endParaRPr lang="en-US" dirty="0"/>
           </a:p>
@@ -2066,7 +2068,7 @@
             <a:fld id="{B61BEF0D-F0BB-DE4B-95CE-6DB70DBA9567}" type="datetimeFigureOut">
               <a:rPr lang="en-US" dirty="0"/>
               <a:pPr/>
-              <a:t>7/18/2019</a:t>
+              <a:t>7/19/2019</a:t>
             </a:fld>
             <a:endParaRPr lang="en-US" dirty="0"/>
           </a:p>
@@ -2456,7 +2458,7 @@
             <a:fld id="{B61BEF0D-F0BB-DE4B-95CE-6DB70DBA9567}" type="datetimeFigureOut">
               <a:rPr lang="en-US" dirty="0"/>
               <a:pPr/>
-              <a:t>7/18/2019</a:t>
+              <a:t>7/19/2019</a:t>
             </a:fld>
             <a:endParaRPr lang="en-US" dirty="0"/>
           </a:p>
@@ -2622,7 +2624,7 @@
           <a:p>
             <a:fld id="{55C6B4A9-1611-4792-9094-5F34BCA07E0B}" type="datetimeFigureOut">
               <a:rPr lang="en-US" dirty="0"/>
-              <a:t>7/18/2019</a:t>
+              <a:t>7/19/2019</a:t>
             </a:fld>
             <a:endParaRPr lang="en-US" dirty="0"/>
           </a:p>
@@ -2798,7 +2800,7 @@
             <a:fld id="{B61BEF0D-F0BB-DE4B-95CE-6DB70DBA9567}" type="datetimeFigureOut">
               <a:rPr lang="en-US" dirty="0"/>
               <a:pPr/>
-              <a:t>7/18/2019</a:t>
+              <a:t>7/19/2019</a:t>
             </a:fld>
             <a:endParaRPr lang="en-US" dirty="0"/>
           </a:p>
@@ -2964,7 +2966,7 @@
           <a:p>
             <a:fld id="{42A54C80-263E-416B-A8E0-580EDEADCBDC}" type="datetimeFigureOut">
               <a:rPr lang="en-US" dirty="0"/>
-              <a:t>7/18/2019</a:t>
+              <a:t>7/19/2019</a:t>
             </a:fld>
             <a:endParaRPr lang="en-US" dirty="0"/>
           </a:p>
@@ -3207,7 +3209,7 @@
             <a:fld id="{B61BEF0D-F0BB-DE4B-95CE-6DB70DBA9567}" type="datetimeFigureOut">
               <a:rPr lang="en-US" dirty="0"/>
               <a:pPr/>
-              <a:t>7/18/2019</a:t>
+              <a:t>7/19/2019</a:t>
             </a:fld>
             <a:endParaRPr lang="en-US" dirty="0"/>
           </a:p>
@@ -3435,7 +3437,7 @@
           <a:p>
             <a:fld id="{42A54C80-263E-416B-A8E0-580EDEADCBDC}" type="datetimeFigureOut">
               <a:rPr lang="en-US" dirty="0"/>
-              <a:t>7/18/2019</a:t>
+              <a:t>7/19/2019</a:t>
             </a:fld>
             <a:endParaRPr lang="en-US" dirty="0"/>
           </a:p>
@@ -3805,7 +3807,7 @@
             <a:fld id="{B61BEF0D-F0BB-DE4B-95CE-6DB70DBA9567}" type="datetimeFigureOut">
               <a:rPr lang="en-US" dirty="0"/>
               <a:pPr/>
-              <a:t>7/18/2019</a:t>
+              <a:t>7/19/2019</a:t>
             </a:fld>
             <a:endParaRPr lang="en-US" dirty="0"/>
           </a:p>
@@ -3925,7 +3927,7 @@
             <a:fld id="{B61BEF0D-F0BB-DE4B-95CE-6DB70DBA9567}" type="datetimeFigureOut">
               <a:rPr lang="en-US" dirty="0"/>
               <a:pPr/>
-              <a:t>7/18/2019</a:t>
+              <a:t>7/19/2019</a:t>
             </a:fld>
             <a:endParaRPr lang="en-US" dirty="0"/>
           </a:p>
@@ -4017,7 +4019,7 @@
             <a:fld id="{B61BEF0D-F0BB-DE4B-95CE-6DB70DBA9567}" type="datetimeFigureOut">
               <a:rPr lang="en-US" dirty="0"/>
               <a:pPr/>
-              <a:t>7/18/2019</a:t>
+              <a:t>7/19/2019</a:t>
             </a:fld>
             <a:endParaRPr lang="en-US" dirty="0"/>
           </a:p>
@@ -4268,7 +4270,7 @@
           <a:p>
             <a:fld id="{42A54C80-263E-416B-A8E0-580EDEADCBDC}" type="datetimeFigureOut">
               <a:rPr lang="en-US" dirty="0"/>
-              <a:t>7/18/2019</a:t>
+              <a:t>7/19/2019</a:t>
             </a:fld>
             <a:endParaRPr lang="en-US" dirty="0"/>
           </a:p>
@@ -4570,7 +4572,7 @@
             <a:fld id="{B61BEF0D-F0BB-DE4B-95CE-6DB70DBA9567}" type="datetimeFigureOut">
               <a:rPr lang="en-US" dirty="0"/>
               <a:pPr/>
-              <a:t>7/18/2019</a:t>
+              <a:t>7/19/2019</a:t>
             </a:fld>
             <a:endParaRPr lang="en-US" dirty="0"/>
           </a:p>
@@ -5268,7 +5270,7 @@
             <a:fld id="{B61BEF0D-F0BB-DE4B-95CE-6DB70DBA9567}" type="datetimeFigureOut">
               <a:rPr lang="en-US" dirty="0"/>
               <a:pPr/>
-              <a:t>7/18/2019</a:t>
+              <a:t>7/19/2019</a:t>
             </a:fld>
             <a:endParaRPr lang="en-US" dirty="0"/>
           </a:p>
@@ -5920,6 +5922,196 @@
 </p:sld>
 </file>
 
+<file path=ppt/slides/slide10.xml><?xml version="1.0" encoding="utf-8"?>
+<p:sld xmlns:a="http://schemas.openxmlformats.org/drawingml/2006/main" xmlns:r="http://schemas.openxmlformats.org/officeDocument/2006/relationships" xmlns:p="http://schemas.openxmlformats.org/presentationml/2006/main">
+  <p:cSld>
+    <p:spTree>
+      <p:nvGrpSpPr>
+        <p:cNvPr id="1" name=""/>
+        <p:cNvGrpSpPr/>
+        <p:nvPr/>
+      </p:nvGrpSpPr>
+      <p:grpSpPr>
+        <a:xfrm>
+          <a:off x="0" y="0"/>
+          <a:ext cx="0" cy="0"/>
+          <a:chOff x="0" y="0"/>
+          <a:chExt cx="0" cy="0"/>
+        </a:xfrm>
+      </p:grpSpPr>
+      <p:sp>
+        <p:nvSpPr>
+          <p:cNvPr id="2" name="Title 1">
+            <a:extLst>
+              <a:ext uri="{FF2B5EF4-FFF2-40B4-BE49-F238E27FC236}">
+                <a16:creationId xmlns:a16="http://schemas.microsoft.com/office/drawing/2014/main" id="{B1E842DA-725B-482B-9280-E6275AE0178D}"/>
+              </a:ext>
+            </a:extLst>
+          </p:cNvPr>
+          <p:cNvSpPr>
+            <a:spLocks noGrp="1"/>
+          </p:cNvSpPr>
+          <p:nvPr>
+            <p:ph type="title"/>
+          </p:nvPr>
+        </p:nvSpPr>
+        <p:spPr/>
+        <p:txBody>
+          <a:bodyPr/>
+          <a:lstStyle/>
+          <a:p>
+            <a:r>
+              <a:rPr lang="en-US" dirty="0"/>
+              <a:t>Application Structure</a:t>
+            </a:r>
+          </a:p>
+        </p:txBody>
+      </p:sp>
+      <p:sp>
+        <p:nvSpPr>
+          <p:cNvPr id="3" name="Content Placeholder 2">
+            <a:extLst>
+              <a:ext uri="{FF2B5EF4-FFF2-40B4-BE49-F238E27FC236}">
+                <a16:creationId xmlns:a16="http://schemas.microsoft.com/office/drawing/2014/main" id="{CDE51FBF-8789-4BBB-B583-6FA8B4A996C4}"/>
+              </a:ext>
+            </a:extLst>
+          </p:cNvPr>
+          <p:cNvSpPr>
+            <a:spLocks noGrp="1"/>
+          </p:cNvSpPr>
+          <p:nvPr>
+            <p:ph idx="1"/>
+          </p:nvPr>
+        </p:nvSpPr>
+        <p:spPr/>
+        <p:txBody>
+          <a:bodyPr/>
+          <a:lstStyle/>
+          <a:p>
+            <a:r>
+              <a:rPr lang="en-US" dirty="0"/>
+              <a:t>Real applications are complex. In our training we will just mimic real services.</a:t>
+            </a:r>
+          </a:p>
+          <a:p>
+            <a:r>
+              <a:rPr lang="en-US" dirty="0"/>
+              <a:t>User service is about creating and query user data.</a:t>
+            </a:r>
+          </a:p>
+          <a:p>
+            <a:r>
+              <a:rPr lang="en-US" dirty="0"/>
+              <a:t>Email service should send activation email when new user is created.</a:t>
+            </a:r>
+          </a:p>
+          <a:p>
+            <a:r>
+              <a:rPr lang="en-US" dirty="0"/>
+              <a:t>In following trainings we will split this application in two parts.</a:t>
+            </a:r>
+          </a:p>
+        </p:txBody>
+      </p:sp>
+    </p:spTree>
+    <p:extLst>
+      <p:ext uri="{BB962C8B-B14F-4D97-AF65-F5344CB8AC3E}">
+        <p14:creationId xmlns:p14="http://schemas.microsoft.com/office/powerpoint/2010/main" val="3817129752"/>
+      </p:ext>
+    </p:extLst>
+  </p:cSld>
+  <p:clrMapOvr>
+    <a:masterClrMapping/>
+  </p:clrMapOvr>
+</p:sld>
+</file>
+
+<file path=ppt/slides/slide11.xml><?xml version="1.0" encoding="utf-8"?>
+<p:sld xmlns:a="http://schemas.openxmlformats.org/drawingml/2006/main" xmlns:r="http://schemas.openxmlformats.org/officeDocument/2006/relationships" xmlns:p="http://schemas.openxmlformats.org/presentationml/2006/main">
+  <p:cSld>
+    <p:spTree>
+      <p:nvGrpSpPr>
+        <p:cNvPr id="1" name=""/>
+        <p:cNvGrpSpPr/>
+        <p:nvPr/>
+      </p:nvGrpSpPr>
+      <p:grpSpPr>
+        <a:xfrm>
+          <a:off x="0" y="0"/>
+          <a:ext cx="0" cy="0"/>
+          <a:chOff x="0" y="0"/>
+          <a:chExt cx="0" cy="0"/>
+        </a:xfrm>
+      </p:grpSpPr>
+      <p:sp>
+        <p:nvSpPr>
+          <p:cNvPr id="2" name="Title 1">
+            <a:extLst>
+              <a:ext uri="{FF2B5EF4-FFF2-40B4-BE49-F238E27FC236}">
+                <a16:creationId xmlns:a16="http://schemas.microsoft.com/office/drawing/2014/main" id="{B1E842DA-725B-482B-9280-E6275AE0178D}"/>
+              </a:ext>
+            </a:extLst>
+          </p:cNvPr>
+          <p:cNvSpPr>
+            <a:spLocks noGrp="1"/>
+          </p:cNvSpPr>
+          <p:nvPr>
+            <p:ph type="title"/>
+          </p:nvPr>
+        </p:nvSpPr>
+        <p:spPr/>
+        <p:txBody>
+          <a:bodyPr/>
+          <a:lstStyle/>
+          <a:p>
+            <a:r>
+              <a:rPr lang="en-US" dirty="0"/>
+              <a:t>Run Application</a:t>
+            </a:r>
+          </a:p>
+        </p:txBody>
+      </p:sp>
+      <p:sp>
+        <p:nvSpPr>
+          <p:cNvPr id="3" name="Content Placeholder 2">
+            <a:extLst>
+              <a:ext uri="{FF2B5EF4-FFF2-40B4-BE49-F238E27FC236}">
+                <a16:creationId xmlns:a16="http://schemas.microsoft.com/office/drawing/2014/main" id="{CDE51FBF-8789-4BBB-B583-6FA8B4A996C4}"/>
+              </a:ext>
+            </a:extLst>
+          </p:cNvPr>
+          <p:cNvSpPr>
+            <a:spLocks noGrp="1"/>
+          </p:cNvSpPr>
+          <p:nvPr>
+            <p:ph idx="1"/>
+          </p:nvPr>
+        </p:nvSpPr>
+        <p:spPr/>
+        <p:txBody>
+          <a:bodyPr/>
+          <a:lstStyle/>
+          <a:p>
+            <a:r>
+              <a:rPr lang="en-US" dirty="0"/>
+              <a:t>You can use Maven 3 or Gradle to build and run the application</a:t>
+            </a:r>
+          </a:p>
+        </p:txBody>
+      </p:sp>
+    </p:spTree>
+    <p:extLst>
+      <p:ext uri="{BB962C8B-B14F-4D97-AF65-F5344CB8AC3E}">
+        <p14:creationId xmlns:p14="http://schemas.microsoft.com/office/powerpoint/2010/main" val="2940521419"/>
+      </p:ext>
+    </p:extLst>
+  </p:cSld>
+  <p:clrMapOvr>
+    <a:masterClrMapping/>
+  </p:clrMapOvr>
+</p:sld>
+</file>
+
 <file path=ppt/slides/slide2.xml><?xml version="1.0" encoding="utf-8"?>
 <p:sld xmlns:a="http://schemas.openxmlformats.org/drawingml/2006/main" xmlns:r="http://schemas.openxmlformats.org/officeDocument/2006/relationships" xmlns:p="http://schemas.openxmlformats.org/presentationml/2006/main">
   <p:cSld>
@@ -6310,7 +6502,7 @@
           <a:p>
             <a:r>
               <a:rPr lang="en-US" dirty="0"/>
-              <a:t>Become familiar most popular Spring services</a:t>
+              <a:t>Become familiar with most popular Spring services</a:t>
             </a:r>
           </a:p>
           <a:p>
@@ -7647,13 +7839,13 @@
           <a:p>
             <a:r>
               <a:rPr lang="en-US" dirty="0"/>
-              <a:t>It will not be complex but we can easily split it at least to two microservices to understand basic concepts</a:t>
-            </a:r>
-          </a:p>
-          <a:p>
-            <a:r>
-              <a:rPr lang="en-US" dirty="0"/>
-              <a:t>We will not implement UI part as it is not impacted by backend architecture</a:t>
+              <a:t>It will not be complex but we can easily split it to (at least two) microservices</a:t>
+            </a:r>
+          </a:p>
+          <a:p>
+            <a:r>
+              <a:rPr lang="en-US" dirty="0"/>
+              <a:t>We will not implement UI part because microservices is about backend</a:t>
             </a:r>
           </a:p>
           <a:p>
@@ -7665,7 +7857,7 @@
           <a:p>
             <a:r>
               <a:rPr lang="en-US" dirty="0"/>
-              <a:t>The same Spring services will be used later when monolith will be split.</a:t>
+              <a:t>The same Spring services will be reused later, when monolith will be split to microservices.</a:t>
             </a:r>
           </a:p>
           <a:p>

--- a/docs/Introduction_To_Microservices_Part_1.pptx
+++ b/docs/Introduction_To_Microservices_Part_1.pptx
@@ -16,6 +16,8 @@
     <p:sldId id="265" r:id="rId10"/>
     <p:sldId id="269" r:id="rId11"/>
     <p:sldId id="271" r:id="rId12"/>
+    <p:sldId id="272" r:id="rId13"/>
+    <p:sldId id="273" r:id="rId14"/>
   </p:sldIdLst>
   <p:sldSz cx="12192000" cy="6858000"/>
   <p:notesSz cx="6858000" cy="9144000"/>
@@ -6112,6 +6114,373 @@
 </p:sld>
 </file>
 
+<file path=ppt/slides/slide12.xml><?xml version="1.0" encoding="utf-8"?>
+<p:sld xmlns:a="http://schemas.openxmlformats.org/drawingml/2006/main" xmlns:r="http://schemas.openxmlformats.org/officeDocument/2006/relationships" xmlns:p="http://schemas.openxmlformats.org/presentationml/2006/main">
+  <p:cSld>
+    <p:spTree>
+      <p:nvGrpSpPr>
+        <p:cNvPr id="1" name=""/>
+        <p:cNvGrpSpPr/>
+        <p:nvPr/>
+      </p:nvGrpSpPr>
+      <p:grpSpPr>
+        <a:xfrm>
+          <a:off x="0" y="0"/>
+          <a:ext cx="0" cy="0"/>
+          <a:chOff x="0" y="0"/>
+          <a:chExt cx="0" cy="0"/>
+        </a:xfrm>
+      </p:grpSpPr>
+      <p:sp>
+        <p:nvSpPr>
+          <p:cNvPr id="2" name="Title 1">
+            <a:extLst>
+              <a:ext uri="{FF2B5EF4-FFF2-40B4-BE49-F238E27FC236}">
+                <a16:creationId xmlns:a16="http://schemas.microsoft.com/office/drawing/2014/main" id="{86F52E70-9826-481B-A315-5B22F9D02955}"/>
+              </a:ext>
+            </a:extLst>
+          </p:cNvPr>
+          <p:cNvSpPr>
+            <a:spLocks noGrp="1"/>
+          </p:cNvSpPr>
+          <p:nvPr>
+            <p:ph type="title"/>
+          </p:nvPr>
+        </p:nvSpPr>
+        <p:spPr/>
+        <p:txBody>
+          <a:bodyPr/>
+          <a:lstStyle/>
+          <a:p>
+            <a:endParaRPr lang="pl-PL"/>
+          </a:p>
+        </p:txBody>
+      </p:sp>
+      <p:pic>
+        <p:nvPicPr>
+          <p:cNvPr id="4" name="Content Placeholder 3">
+            <a:extLst>
+              <a:ext uri="{FF2B5EF4-FFF2-40B4-BE49-F238E27FC236}">
+                <a16:creationId xmlns:a16="http://schemas.microsoft.com/office/drawing/2014/main" id="{06F1DB90-0E27-4D02-82B2-622E0AB5DAD9}"/>
+              </a:ext>
+            </a:extLst>
+          </p:cNvPr>
+          <p:cNvPicPr>
+            <a:picLocks noGrp="1" noChangeAspect="1"/>
+          </p:cNvPicPr>
+          <p:nvPr>
+            <p:ph idx="1"/>
+          </p:nvPr>
+        </p:nvPicPr>
+        <p:blipFill>
+          <a:blip r:embed="rId2"/>
+          <a:stretch>
+            <a:fillRect/>
+          </a:stretch>
+        </p:blipFill>
+        <p:spPr>
+          <a:xfrm>
+            <a:off x="5721635" y="2218461"/>
+            <a:ext cx="4944291" cy="3881437"/>
+          </a:xfrm>
+          <a:prstGeom prst="rect">
+            <a:avLst/>
+          </a:prstGeom>
+        </p:spPr>
+      </p:pic>
+      <p:sp>
+        <p:nvSpPr>
+          <p:cNvPr id="6" name="Rectangle 5">
+            <a:extLst>
+              <a:ext uri="{FF2B5EF4-FFF2-40B4-BE49-F238E27FC236}">
+                <a16:creationId xmlns:a16="http://schemas.microsoft.com/office/drawing/2014/main" id="{DFAB90F5-3004-4245-93FC-B04390459554}"/>
+              </a:ext>
+            </a:extLst>
+          </p:cNvPr>
+          <p:cNvSpPr/>
+          <p:nvPr/>
+        </p:nvSpPr>
+        <p:spPr>
+          <a:xfrm>
+            <a:off x="1873954" y="4930347"/>
+            <a:ext cx="3702757" cy="1169551"/>
+          </a:xfrm>
+          <a:prstGeom prst="rect">
+            <a:avLst/>
+          </a:prstGeom>
+        </p:spPr>
+        <p:txBody>
+          <a:bodyPr wrap="square">
+            <a:spAutoFit/>
+          </a:bodyPr>
+          <a:lstStyle/>
+          <a:p>
+            <a:br>
+              <a:rPr lang="pl-PL" sz="1400" dirty="0">
+                <a:latin typeface="Courier New" panose="02070309020205020404" pitchFamily="49" charset="0"/>
+                <a:cs typeface="Courier New" panose="02070309020205020404" pitchFamily="49" charset="0"/>
+              </a:rPr>
+            </a:br>
+            <a:r>
+              <a:rPr lang="pl-PL" sz="1400" dirty="0">
+                <a:solidFill>
+                  <a:srgbClr val="1A1A1A"/>
+                </a:solidFill>
+                <a:latin typeface="Courier New" panose="02070309020205020404" pitchFamily="49" charset="0"/>
+                <a:cs typeface="Courier New" panose="02070309020205020404" pitchFamily="49" charset="0"/>
+              </a:rPr>
+              <a:t>{"</a:t>
+            </a:r>
+            <a:r>
+              <a:rPr lang="pl-PL" sz="1400" dirty="0" err="1">
+                <a:solidFill>
+                  <a:srgbClr val="1A1A1A"/>
+                </a:solidFill>
+                <a:latin typeface="Courier New" panose="02070309020205020404" pitchFamily="49" charset="0"/>
+                <a:cs typeface="Courier New" panose="02070309020205020404" pitchFamily="49" charset="0"/>
+              </a:rPr>
+              <a:t>username</a:t>
+            </a:r>
+            <a:r>
+              <a:rPr lang="pl-PL" sz="1400" dirty="0">
+                <a:solidFill>
+                  <a:srgbClr val="1A1A1A"/>
+                </a:solidFill>
+                <a:latin typeface="Courier New" panose="02070309020205020404" pitchFamily="49" charset="0"/>
+                <a:cs typeface="Courier New" panose="02070309020205020404" pitchFamily="49" charset="0"/>
+              </a:rPr>
+              <a:t>":"</a:t>
+            </a:r>
+            <a:r>
+              <a:rPr lang="pl-PL" sz="1400" dirty="0" err="1">
+                <a:solidFill>
+                  <a:srgbClr val="1A1A1A"/>
+                </a:solidFill>
+                <a:latin typeface="Courier New" panose="02070309020205020404" pitchFamily="49" charset="0"/>
+                <a:cs typeface="Courier New" panose="02070309020205020404" pitchFamily="49" charset="0"/>
+              </a:rPr>
+              <a:t>testy_testerson</a:t>
+            </a:r>
+            <a:r>
+              <a:rPr lang="pl-PL" sz="1400" dirty="0">
+                <a:solidFill>
+                  <a:srgbClr val="1A1A1A"/>
+                </a:solidFill>
+                <a:latin typeface="Courier New" panose="02070309020205020404" pitchFamily="49" charset="0"/>
+                <a:cs typeface="Courier New" panose="02070309020205020404" pitchFamily="49" charset="0"/>
+              </a:rPr>
+              <a:t>", "</a:t>
+            </a:r>
+            <a:r>
+              <a:rPr lang="pl-PL" sz="1400" dirty="0" err="1">
+                <a:solidFill>
+                  <a:srgbClr val="1A1A1A"/>
+                </a:solidFill>
+                <a:latin typeface="Courier New" panose="02070309020205020404" pitchFamily="49" charset="0"/>
+                <a:cs typeface="Courier New" panose="02070309020205020404" pitchFamily="49" charset="0"/>
+              </a:rPr>
+              <a:t>password</a:t>
+            </a:r>
+            <a:r>
+              <a:rPr lang="pl-PL" sz="1400" dirty="0">
+                <a:solidFill>
+                  <a:srgbClr val="1A1A1A"/>
+                </a:solidFill>
+                <a:latin typeface="Courier New" panose="02070309020205020404" pitchFamily="49" charset="0"/>
+                <a:cs typeface="Courier New" panose="02070309020205020404" pitchFamily="49" charset="0"/>
+              </a:rPr>
+              <a:t>":"pa$$W0rd", "</a:t>
+            </a:r>
+            <a:r>
+              <a:rPr lang="pl-PL" sz="1400" dirty="0" err="1">
+                <a:solidFill>
+                  <a:srgbClr val="1A1A1A"/>
+                </a:solidFill>
+                <a:latin typeface="Courier New" panose="02070309020205020404" pitchFamily="49" charset="0"/>
+                <a:cs typeface="Courier New" panose="02070309020205020404" pitchFamily="49" charset="0"/>
+              </a:rPr>
+              <a:t>firstName</a:t>
+            </a:r>
+            <a:r>
+              <a:rPr lang="pl-PL" sz="1400" dirty="0">
+                <a:solidFill>
+                  <a:srgbClr val="1A1A1A"/>
+                </a:solidFill>
+                <a:latin typeface="Courier New" panose="02070309020205020404" pitchFamily="49" charset="0"/>
+                <a:cs typeface="Courier New" panose="02070309020205020404" pitchFamily="49" charset="0"/>
+              </a:rPr>
+              <a:t>":"Testy", "</a:t>
+            </a:r>
+            <a:r>
+              <a:rPr lang="pl-PL" sz="1400" dirty="0" err="1">
+                <a:solidFill>
+                  <a:srgbClr val="1A1A1A"/>
+                </a:solidFill>
+                <a:latin typeface="Courier New" panose="02070309020205020404" pitchFamily="49" charset="0"/>
+                <a:cs typeface="Courier New" panose="02070309020205020404" pitchFamily="49" charset="0"/>
+              </a:rPr>
+              <a:t>lastName</a:t>
+            </a:r>
+            <a:r>
+              <a:rPr lang="pl-PL" sz="1400" dirty="0">
+                <a:solidFill>
+                  <a:srgbClr val="1A1A1A"/>
+                </a:solidFill>
+                <a:latin typeface="Courier New" panose="02070309020205020404" pitchFamily="49" charset="0"/>
+                <a:cs typeface="Courier New" panose="02070309020205020404" pitchFamily="49" charset="0"/>
+              </a:rPr>
+              <a:t>":"</a:t>
+            </a:r>
+            <a:r>
+              <a:rPr lang="pl-PL" sz="1400" dirty="0" err="1">
+                <a:solidFill>
+                  <a:srgbClr val="1A1A1A"/>
+                </a:solidFill>
+                <a:latin typeface="Courier New" panose="02070309020205020404" pitchFamily="49" charset="0"/>
+                <a:cs typeface="Courier New" panose="02070309020205020404" pitchFamily="49" charset="0"/>
+              </a:rPr>
+              <a:t>Testerson</a:t>
+            </a:r>
+            <a:r>
+              <a:rPr lang="pl-PL" sz="1400" dirty="0">
+                <a:solidFill>
+                  <a:srgbClr val="1A1A1A"/>
+                </a:solidFill>
+                <a:latin typeface="Courier New" panose="02070309020205020404" pitchFamily="49" charset="0"/>
+                <a:cs typeface="Courier New" panose="02070309020205020404" pitchFamily="49" charset="0"/>
+              </a:rPr>
+              <a:t>"}</a:t>
+            </a:r>
+            <a:endParaRPr lang="pl-PL" sz="1400" dirty="0">
+              <a:latin typeface="Courier New" panose="02070309020205020404" pitchFamily="49" charset="0"/>
+              <a:cs typeface="Courier New" panose="02070309020205020404" pitchFamily="49" charset="0"/>
+            </a:endParaRPr>
+          </a:p>
+        </p:txBody>
+      </p:sp>
+    </p:spTree>
+    <p:extLst>
+      <p:ext uri="{BB962C8B-B14F-4D97-AF65-F5344CB8AC3E}">
+        <p14:creationId xmlns:p14="http://schemas.microsoft.com/office/powerpoint/2010/main" val="439255564"/>
+      </p:ext>
+    </p:extLst>
+  </p:cSld>
+  <p:clrMapOvr>
+    <a:masterClrMapping/>
+  </p:clrMapOvr>
+</p:sld>
+</file>
+
+<file path=ppt/slides/slide13.xml><?xml version="1.0" encoding="utf-8"?>
+<p:sld xmlns:a="http://schemas.openxmlformats.org/drawingml/2006/main" xmlns:r="http://schemas.openxmlformats.org/officeDocument/2006/relationships" xmlns:p="http://schemas.openxmlformats.org/presentationml/2006/main">
+  <p:cSld>
+    <p:spTree>
+      <p:nvGrpSpPr>
+        <p:cNvPr id="1" name=""/>
+        <p:cNvGrpSpPr/>
+        <p:nvPr/>
+      </p:nvGrpSpPr>
+      <p:grpSpPr>
+        <a:xfrm>
+          <a:off x="0" y="0"/>
+          <a:ext cx="0" cy="0"/>
+          <a:chOff x="0" y="0"/>
+          <a:chExt cx="0" cy="0"/>
+        </a:xfrm>
+      </p:grpSpPr>
+      <p:sp>
+        <p:nvSpPr>
+          <p:cNvPr id="2" name="Title 1">
+            <a:extLst>
+              <a:ext uri="{FF2B5EF4-FFF2-40B4-BE49-F238E27FC236}">
+                <a16:creationId xmlns:a16="http://schemas.microsoft.com/office/drawing/2014/main" id="{88C733BC-72B4-4B45-B96A-C22B34C7E740}"/>
+              </a:ext>
+            </a:extLst>
+          </p:cNvPr>
+          <p:cNvSpPr>
+            <a:spLocks noGrp="1"/>
+          </p:cNvSpPr>
+          <p:nvPr>
+            <p:ph type="title"/>
+          </p:nvPr>
+        </p:nvSpPr>
+        <p:spPr/>
+        <p:txBody>
+          <a:bodyPr/>
+          <a:lstStyle/>
+          <a:p>
+            <a:endParaRPr lang="pl-PL"/>
+          </a:p>
+        </p:txBody>
+      </p:sp>
+      <p:sp>
+        <p:nvSpPr>
+          <p:cNvPr id="3" name="Content Placeholder 2">
+            <a:extLst>
+              <a:ext uri="{FF2B5EF4-FFF2-40B4-BE49-F238E27FC236}">
+                <a16:creationId xmlns:a16="http://schemas.microsoft.com/office/drawing/2014/main" id="{B0F0C387-D85D-43D3-BFCB-E571EABE43EE}"/>
+              </a:ext>
+            </a:extLst>
+          </p:cNvPr>
+          <p:cNvSpPr>
+            <a:spLocks noGrp="1"/>
+          </p:cNvSpPr>
+          <p:nvPr>
+            <p:ph idx="1"/>
+          </p:nvPr>
+        </p:nvSpPr>
+        <p:spPr/>
+        <p:txBody>
+          <a:bodyPr/>
+          <a:lstStyle/>
+          <a:p>
+            <a:endParaRPr lang="pl-PL"/>
+          </a:p>
+        </p:txBody>
+      </p:sp>
+      <p:pic>
+        <p:nvPicPr>
+          <p:cNvPr id="4" name="Picture 3">
+            <a:extLst>
+              <a:ext uri="{FF2B5EF4-FFF2-40B4-BE49-F238E27FC236}">
+                <a16:creationId xmlns:a16="http://schemas.microsoft.com/office/drawing/2014/main" id="{EBBC8E67-32A8-49B2-805A-FDB753C97527}"/>
+              </a:ext>
+            </a:extLst>
+          </p:cNvPr>
+          <p:cNvPicPr>
+            <a:picLocks noChangeAspect="1"/>
+          </p:cNvPicPr>
+          <p:nvPr/>
+        </p:nvPicPr>
+        <p:blipFill>
+          <a:blip r:embed="rId2"/>
+          <a:stretch>
+            <a:fillRect/>
+          </a:stretch>
+        </p:blipFill>
+        <p:spPr>
+          <a:xfrm>
+            <a:off x="5781880" y="1270000"/>
+            <a:ext cx="5732786" cy="4370388"/>
+          </a:xfrm>
+          <a:prstGeom prst="rect">
+            <a:avLst/>
+          </a:prstGeom>
+        </p:spPr>
+      </p:pic>
+    </p:spTree>
+    <p:extLst>
+      <p:ext uri="{BB962C8B-B14F-4D97-AF65-F5344CB8AC3E}">
+        <p14:creationId xmlns:p14="http://schemas.microsoft.com/office/powerpoint/2010/main" val="206726761"/>
+      </p:ext>
+    </p:extLst>
+  </p:cSld>
+  <p:clrMapOvr>
+    <a:masterClrMapping/>
+  </p:clrMapOvr>
+</p:sld>
+</file>
+
 <file path=ppt/slides/slide2.xml><?xml version="1.0" encoding="utf-8"?>
 <p:sld xmlns:a="http://schemas.openxmlformats.org/drawingml/2006/main" xmlns:r="http://schemas.openxmlformats.org/officeDocument/2006/relationships" xmlns:p="http://schemas.openxmlformats.org/presentationml/2006/main">
   <p:cSld>

--- a/docs/Introduction_To_Microservices_Part_1.pptx
+++ b/docs/Introduction_To_Microservices_Part_1.pptx
@@ -17,7 +17,6 @@
     <p:sldId id="269" r:id="rId11"/>
     <p:sldId id="271" r:id="rId12"/>
     <p:sldId id="272" r:id="rId13"/>
-    <p:sldId id="273" r:id="rId14"/>
   </p:sldIdLst>
   <p:sldSz cx="12192000" cy="6858000"/>
   <p:notesSz cx="6858000" cy="9144000"/>
@@ -6089,7 +6088,12 @@
             <p:ph idx="1"/>
           </p:nvPr>
         </p:nvSpPr>
-        <p:spPr/>
+        <p:spPr>
+          <a:xfrm>
+            <a:off x="677334" y="2160590"/>
+            <a:ext cx="7656769" cy="1320800"/>
+          </a:xfrm>
+        </p:spPr>
         <p:txBody>
           <a:bodyPr/>
           <a:lstStyle/>
@@ -6098,6 +6102,645 @@
               <a:rPr lang="en-US" dirty="0"/>
               <a:t>You can use Maven 3 or Gradle to build and run the application</a:t>
             </a:r>
+          </a:p>
+          <a:p>
+            <a:r>
+              <a:rPr lang="en-US" dirty="0"/>
+              <a:t>Also you can run it from your IDE as standard main application</a:t>
+            </a:r>
+          </a:p>
+          <a:p>
+            <a:r>
+              <a:rPr lang="en-US" dirty="0"/>
+              <a:t>Call </a:t>
+            </a:r>
+            <a:r>
+              <a:rPr lang="en-US" sz="1400" dirty="0" err="1">
+                <a:latin typeface="Courier New" panose="02070309020205020404" pitchFamily="49" charset="0"/>
+                <a:cs typeface="Courier New" panose="02070309020205020404" pitchFamily="49" charset="0"/>
+              </a:rPr>
+              <a:t>gradle</a:t>
+            </a:r>
+            <a:r>
+              <a:rPr lang="en-US" sz="1400" dirty="0">
+                <a:latin typeface="Courier New" panose="02070309020205020404" pitchFamily="49" charset="0"/>
+                <a:cs typeface="Courier New" panose="02070309020205020404" pitchFamily="49" charset="0"/>
+              </a:rPr>
+              <a:t> </a:t>
+            </a:r>
+            <a:r>
+              <a:rPr lang="en-US" sz="1400" dirty="0" err="1">
+                <a:latin typeface="Courier New" panose="02070309020205020404" pitchFamily="49" charset="0"/>
+                <a:cs typeface="Courier New" panose="02070309020205020404" pitchFamily="49" charset="0"/>
+              </a:rPr>
+              <a:t>bootRun</a:t>
+            </a:r>
+            <a:r>
+              <a:rPr lang="en-US" sz="1400" dirty="0">
+                <a:latin typeface="Courier New" panose="02070309020205020404" pitchFamily="49" charset="0"/>
+                <a:cs typeface="Courier New" panose="02070309020205020404" pitchFamily="49" charset="0"/>
+              </a:rPr>
+              <a:t> </a:t>
+            </a:r>
+            <a:r>
+              <a:rPr lang="en-US" dirty="0"/>
+              <a:t>or</a:t>
+            </a:r>
+            <a:r>
+              <a:rPr lang="en-US" sz="1400" dirty="0">
+                <a:latin typeface="Courier New" panose="02070309020205020404" pitchFamily="49" charset="0"/>
+                <a:cs typeface="Courier New" panose="02070309020205020404" pitchFamily="49" charset="0"/>
+              </a:rPr>
+              <a:t> </a:t>
+            </a:r>
+            <a:r>
+              <a:rPr lang="en-US" sz="1400" dirty="0" err="1">
+                <a:latin typeface="Courier New" panose="02070309020205020404" pitchFamily="49" charset="0"/>
+                <a:cs typeface="Courier New" panose="02070309020205020404" pitchFamily="49" charset="0"/>
+              </a:rPr>
+              <a:t>mvn</a:t>
+            </a:r>
+            <a:r>
+              <a:rPr lang="en-US" sz="1400" dirty="0">
+                <a:latin typeface="Courier New" panose="02070309020205020404" pitchFamily="49" charset="0"/>
+                <a:cs typeface="Courier New" panose="02070309020205020404" pitchFamily="49" charset="0"/>
+              </a:rPr>
+              <a:t> </a:t>
+            </a:r>
+            <a:r>
+              <a:rPr lang="en-US" sz="1400" dirty="0" err="1">
+                <a:latin typeface="Courier New" panose="02070309020205020404" pitchFamily="49" charset="0"/>
+                <a:cs typeface="Courier New" panose="02070309020205020404" pitchFamily="49" charset="0"/>
+              </a:rPr>
+              <a:t>spring-boot:run</a:t>
+            </a:r>
+            <a:endParaRPr lang="en-US" sz="1400" dirty="0">
+              <a:latin typeface="Courier New" panose="02070309020205020404" pitchFamily="49" charset="0"/>
+              <a:cs typeface="Courier New" panose="02070309020205020404" pitchFamily="49" charset="0"/>
+            </a:endParaRPr>
+          </a:p>
+          <a:p>
+            <a:pPr marL="0" indent="0">
+              <a:buNone/>
+            </a:pPr>
+            <a:endParaRPr lang="en-US" dirty="0">
+              <a:latin typeface="Courier New" panose="02070309020205020404" pitchFamily="49" charset="0"/>
+              <a:cs typeface="Courier New" panose="02070309020205020404" pitchFamily="49" charset="0"/>
+            </a:endParaRPr>
+          </a:p>
+        </p:txBody>
+      </p:sp>
+      <p:sp>
+        <p:nvSpPr>
+          <p:cNvPr id="8" name="TextBox 7">
+            <a:extLst>
+              <a:ext uri="{FF2B5EF4-FFF2-40B4-BE49-F238E27FC236}">
+                <a16:creationId xmlns:a16="http://schemas.microsoft.com/office/drawing/2014/main" id="{F3D3AC30-0EF0-4AF3-8384-3FD59A59B12A}"/>
+              </a:ext>
+            </a:extLst>
+          </p:cNvPr>
+          <p:cNvSpPr txBox="1"/>
+          <p:nvPr/>
+        </p:nvSpPr>
+        <p:spPr>
+          <a:xfrm>
+            <a:off x="4505718" y="4050501"/>
+            <a:ext cx="6008914" cy="2308324"/>
+          </a:xfrm>
+          <a:prstGeom prst="rect">
+            <a:avLst/>
+          </a:prstGeom>
+          <a:solidFill>
+            <a:schemeClr val="tx1">
+              <a:lumMod val="85000"/>
+              <a:lumOff val="15000"/>
+            </a:schemeClr>
+          </a:solidFill>
+        </p:spPr>
+        <p:txBody>
+          <a:bodyPr wrap="square" rtlCol="0">
+            <a:spAutoFit/>
+          </a:bodyPr>
+          <a:lstStyle/>
+          <a:p>
+            <a:r>
+              <a:rPr lang="en-US" sz="800" b="1" dirty="0">
+                <a:solidFill>
+                  <a:schemeClr val="bg1"/>
+                </a:solidFill>
+                <a:latin typeface="Courier New" panose="02070309020205020404" pitchFamily="49" charset="0"/>
+                <a:cs typeface="Courier New" panose="02070309020205020404" pitchFamily="49" charset="0"/>
+              </a:rPr>
+              <a:t> .   ____          _            __ _ _</a:t>
+            </a:r>
+          </a:p>
+          <a:p>
+            <a:r>
+              <a:rPr lang="en-US" sz="800" b="1" dirty="0">
+                <a:solidFill>
+                  <a:schemeClr val="bg1"/>
+                </a:solidFill>
+                <a:latin typeface="Courier New" panose="02070309020205020404" pitchFamily="49" charset="0"/>
+                <a:cs typeface="Courier New" panose="02070309020205020404" pitchFamily="49" charset="0"/>
+              </a:rPr>
+              <a:t> /\\ / ___'_ __ _ _(_)_ __  __ _ \ \ \ \</a:t>
+            </a:r>
+          </a:p>
+          <a:p>
+            <a:r>
+              <a:rPr lang="en-US" sz="800" b="1" dirty="0">
+                <a:solidFill>
+                  <a:schemeClr val="bg1"/>
+                </a:solidFill>
+                <a:latin typeface="Courier New" panose="02070309020205020404" pitchFamily="49" charset="0"/>
+                <a:cs typeface="Courier New" panose="02070309020205020404" pitchFamily="49" charset="0"/>
+              </a:rPr>
+              <a:t>( ( )\___ | '_ | '_| | '_ \/ _` | \ \ \ \</a:t>
+            </a:r>
+          </a:p>
+          <a:p>
+            <a:r>
+              <a:rPr lang="en-US" sz="800" b="1" dirty="0">
+                <a:solidFill>
+                  <a:schemeClr val="bg1"/>
+                </a:solidFill>
+                <a:latin typeface="Courier New" panose="02070309020205020404" pitchFamily="49" charset="0"/>
+                <a:cs typeface="Courier New" panose="02070309020205020404" pitchFamily="49" charset="0"/>
+              </a:rPr>
+              <a:t> \\/  ___)| |_)| | | | | || (_| |  ) ) ) )</a:t>
+            </a:r>
+          </a:p>
+          <a:p>
+            <a:r>
+              <a:rPr lang="en-US" sz="800" b="1" dirty="0">
+                <a:solidFill>
+                  <a:schemeClr val="bg1"/>
+                </a:solidFill>
+                <a:latin typeface="Courier New" panose="02070309020205020404" pitchFamily="49" charset="0"/>
+                <a:cs typeface="Courier New" panose="02070309020205020404" pitchFamily="49" charset="0"/>
+              </a:rPr>
+              <a:t>  '  |____| .__|_| |_|_| |_\__, | / / / /</a:t>
+            </a:r>
+          </a:p>
+          <a:p>
+            <a:r>
+              <a:rPr lang="en-US" sz="800" b="1" dirty="0">
+                <a:solidFill>
+                  <a:schemeClr val="bg1"/>
+                </a:solidFill>
+                <a:latin typeface="Courier New" panose="02070309020205020404" pitchFamily="49" charset="0"/>
+                <a:cs typeface="Courier New" panose="02070309020205020404" pitchFamily="49" charset="0"/>
+              </a:rPr>
+              <a:t> =========|_|==============|___/=/_/_/_/</a:t>
+            </a:r>
+          </a:p>
+          <a:p>
+            <a:r>
+              <a:rPr lang="en-US" sz="800" b="1" dirty="0">
+                <a:solidFill>
+                  <a:schemeClr val="bg1"/>
+                </a:solidFill>
+                <a:latin typeface="Courier New" panose="02070309020205020404" pitchFamily="49" charset="0"/>
+                <a:cs typeface="Courier New" panose="02070309020205020404" pitchFamily="49" charset="0"/>
+              </a:rPr>
+              <a:t> :: Spring Boot ::        (v2.1.6.RELEASE)</a:t>
+            </a:r>
+          </a:p>
+          <a:p>
+            <a:endParaRPr lang="en-US" sz="800" b="1" dirty="0">
+              <a:solidFill>
+                <a:schemeClr val="bg1"/>
+              </a:solidFill>
+              <a:latin typeface="Courier New" panose="02070309020205020404" pitchFamily="49" charset="0"/>
+              <a:cs typeface="Courier New" panose="02070309020205020404" pitchFamily="49" charset="0"/>
+            </a:endParaRPr>
+          </a:p>
+          <a:p>
+            <a:r>
+              <a:rPr lang="en-US" sz="800" b="1" dirty="0">
+                <a:solidFill>
+                  <a:schemeClr val="bg1"/>
+                </a:solidFill>
+                <a:latin typeface="Courier New" panose="02070309020205020404" pitchFamily="49" charset="0"/>
+                <a:cs typeface="Courier New" panose="02070309020205020404" pitchFamily="49" charset="0"/>
+              </a:rPr>
+              <a:t>2019-07-19 22:03:29.903  INFO 3448 --- [ main] </a:t>
+            </a:r>
+            <a:r>
+              <a:rPr lang="en-US" sz="800" b="1" dirty="0" err="1">
+                <a:solidFill>
+                  <a:schemeClr val="bg1"/>
+                </a:solidFill>
+                <a:latin typeface="Courier New" panose="02070309020205020404" pitchFamily="49" charset="0"/>
+                <a:cs typeface="Courier New" panose="02070309020205020404" pitchFamily="49" charset="0"/>
+              </a:rPr>
+              <a:t>com.app.Main</a:t>
+            </a:r>
+            <a:r>
+              <a:rPr lang="en-US" sz="800" b="1" dirty="0">
+                <a:solidFill>
+                  <a:schemeClr val="bg1"/>
+                </a:solidFill>
+                <a:latin typeface="Courier New" panose="02070309020205020404" pitchFamily="49" charset="0"/>
+                <a:cs typeface="Courier New" panose="02070309020205020404" pitchFamily="49" charset="0"/>
+              </a:rPr>
+              <a:t>                             : Starting Main on DESKTOP-C5N7SHO with PID 3448 (C:\projects\springboot-cloud-demo-one\user-service\target\classes started by user in C:\projects\springboot-cloud-demo-one\user-service)</a:t>
+            </a:r>
+          </a:p>
+          <a:p>
+            <a:r>
+              <a:rPr lang="en-US" sz="800" b="1" dirty="0">
+                <a:solidFill>
+                  <a:schemeClr val="bg1"/>
+                </a:solidFill>
+                <a:latin typeface="Courier New" panose="02070309020205020404" pitchFamily="49" charset="0"/>
+                <a:cs typeface="Courier New" panose="02070309020205020404" pitchFamily="49" charset="0"/>
+              </a:rPr>
+              <a:t>2019-07-19 22:03:29.942  INFO 3448 --- [ main] </a:t>
+            </a:r>
+            <a:r>
+              <a:rPr lang="en-US" sz="800" b="1" dirty="0" err="1">
+                <a:solidFill>
+                  <a:schemeClr val="bg1"/>
+                </a:solidFill>
+                <a:latin typeface="Courier New" panose="02070309020205020404" pitchFamily="49" charset="0"/>
+                <a:cs typeface="Courier New" panose="02070309020205020404" pitchFamily="49" charset="0"/>
+              </a:rPr>
+              <a:t>com.app.Main</a:t>
+            </a:r>
+            <a:r>
+              <a:rPr lang="en-US" sz="800" b="1" dirty="0">
+                <a:solidFill>
+                  <a:schemeClr val="bg1"/>
+                </a:solidFill>
+                <a:latin typeface="Courier New" panose="02070309020205020404" pitchFamily="49" charset="0"/>
+                <a:cs typeface="Courier New" panose="02070309020205020404" pitchFamily="49" charset="0"/>
+              </a:rPr>
+              <a:t> </a:t>
+            </a:r>
+          </a:p>
+          <a:p>
+            <a:r>
+              <a:rPr lang="en-US" sz="800" b="1" dirty="0">
+                <a:solidFill>
+                  <a:schemeClr val="bg1"/>
+                </a:solidFill>
+                <a:latin typeface="Courier New" panose="02070309020205020404" pitchFamily="49" charset="0"/>
+                <a:cs typeface="Courier New" panose="02070309020205020404" pitchFamily="49" charset="0"/>
+              </a:rPr>
+              <a:t>2019-07-19 22:03:54.466  INFO 3448 --- [ main] </a:t>
+            </a:r>
+            <a:r>
+              <a:rPr lang="en-US" sz="800" b="1" dirty="0" err="1">
+                <a:solidFill>
+                  <a:schemeClr val="bg1"/>
+                </a:solidFill>
+                <a:latin typeface="Courier New" panose="02070309020205020404" pitchFamily="49" charset="0"/>
+                <a:cs typeface="Courier New" panose="02070309020205020404" pitchFamily="49" charset="0"/>
+              </a:rPr>
+              <a:t>o.s.b.w.embedded.tomcat.TomcatWebServer</a:t>
+            </a:r>
+            <a:r>
+              <a:rPr lang="en-US" sz="800" b="1" dirty="0">
+                <a:solidFill>
+                  <a:schemeClr val="bg1"/>
+                </a:solidFill>
+                <a:latin typeface="Courier New" panose="02070309020205020404" pitchFamily="49" charset="0"/>
+                <a:cs typeface="Courier New" panose="02070309020205020404" pitchFamily="49" charset="0"/>
+              </a:rPr>
+              <a:t>  : Tomcat started on port(s): 8081 (http) with context path ''</a:t>
+            </a:r>
+          </a:p>
+          <a:p>
+            <a:r>
+              <a:rPr lang="en-US" sz="800" b="1" dirty="0">
+                <a:solidFill>
+                  <a:schemeClr val="bg1"/>
+                </a:solidFill>
+                <a:latin typeface="Courier New" panose="02070309020205020404" pitchFamily="49" charset="0"/>
+                <a:cs typeface="Courier New" panose="02070309020205020404" pitchFamily="49" charset="0"/>
+              </a:rPr>
+              <a:t>2019-07-19 22:03:54.477  INFO 3448 --- [ main] </a:t>
+            </a:r>
+            <a:r>
+              <a:rPr lang="en-US" sz="800" b="1" dirty="0" err="1">
+                <a:solidFill>
+                  <a:schemeClr val="bg1"/>
+                </a:solidFill>
+                <a:latin typeface="Courier New" panose="02070309020205020404" pitchFamily="49" charset="0"/>
+                <a:cs typeface="Courier New" panose="02070309020205020404" pitchFamily="49" charset="0"/>
+              </a:rPr>
+              <a:t>com.app.Main</a:t>
+            </a:r>
+            <a:r>
+              <a:rPr lang="en-US" sz="800" b="1" dirty="0">
+                <a:solidFill>
+                  <a:schemeClr val="bg1"/>
+                </a:solidFill>
+                <a:latin typeface="Courier New" panose="02070309020205020404" pitchFamily="49" charset="0"/>
+                <a:cs typeface="Courier New" panose="02070309020205020404" pitchFamily="49" charset="0"/>
+              </a:rPr>
+              <a:t>   : Started Main in 26.751 seconds (JVM running for 29.685)</a:t>
+            </a:r>
+          </a:p>
+          <a:p>
+            <a:endParaRPr lang="en-US" sz="800" b="1" dirty="0">
+              <a:solidFill>
+                <a:schemeClr val="bg1"/>
+              </a:solidFill>
+              <a:latin typeface="Courier New" panose="02070309020205020404" pitchFamily="49" charset="0"/>
+              <a:cs typeface="Courier New" panose="02070309020205020404" pitchFamily="49" charset="0"/>
+            </a:endParaRPr>
+          </a:p>
+          <a:p>
+            <a:endParaRPr lang="en-US" sz="800" b="1" dirty="0">
+              <a:solidFill>
+                <a:schemeClr val="bg1"/>
+              </a:solidFill>
+              <a:latin typeface="Courier New" panose="02070309020205020404" pitchFamily="49" charset="0"/>
+              <a:cs typeface="Courier New" panose="02070309020205020404" pitchFamily="49" charset="0"/>
+            </a:endParaRPr>
+          </a:p>
+        </p:txBody>
+      </p:sp>
+      <p:sp>
+        <p:nvSpPr>
+          <p:cNvPr id="9" name="Content Placeholder 2">
+            <a:extLst>
+              <a:ext uri="{FF2B5EF4-FFF2-40B4-BE49-F238E27FC236}">
+                <a16:creationId xmlns:a16="http://schemas.microsoft.com/office/drawing/2014/main" id="{58587356-A282-4DEE-A6EB-6CA9CCE0F97C}"/>
+              </a:ext>
+            </a:extLst>
+          </p:cNvPr>
+          <p:cNvSpPr txBox="1">
+            <a:spLocks/>
+          </p:cNvSpPr>
+          <p:nvPr/>
+        </p:nvSpPr>
+        <p:spPr>
+          <a:xfrm>
+            <a:off x="677333" y="3429000"/>
+            <a:ext cx="5052907" cy="3880773"/>
+          </a:xfrm>
+          <a:prstGeom prst="rect">
+            <a:avLst/>
+          </a:prstGeom>
+        </p:spPr>
+        <p:txBody>
+          <a:bodyPr vert="horz" lIns="91440" tIns="45720" rIns="91440" bIns="45720" rtlCol="0">
+            <a:normAutofit/>
+          </a:bodyPr>
+          <a:lstStyle>
+            <a:lvl1pPr marL="342900" indent="-342900" algn="l" defTabSz="457200" rtl="0" eaLnBrk="1" latinLnBrk="0" hangingPunct="1">
+              <a:spcBef>
+                <a:spcPts val="1000"/>
+              </a:spcBef>
+              <a:spcAft>
+                <a:spcPts val="0"/>
+              </a:spcAft>
+              <a:buClr>
+                <a:schemeClr val="accent1"/>
+              </a:buClr>
+              <a:buSzPct val="80000"/>
+              <a:buFont typeface="Wingdings 3" charset="2"/>
+              <a:buChar char=""/>
+              <a:defRPr sz="1800" kern="1200">
+                <a:solidFill>
+                  <a:schemeClr val="tx1">
+                    <a:lumMod val="75000"/>
+                    <a:lumOff val="25000"/>
+                  </a:schemeClr>
+                </a:solidFill>
+                <a:latin typeface="+mn-lt"/>
+                <a:ea typeface="+mn-ea"/>
+                <a:cs typeface="+mn-cs"/>
+              </a:defRPr>
+            </a:lvl1pPr>
+            <a:lvl2pPr marL="742950" indent="-285750" algn="l" defTabSz="457200" rtl="0" eaLnBrk="1" latinLnBrk="0" hangingPunct="1">
+              <a:spcBef>
+                <a:spcPts val="1000"/>
+              </a:spcBef>
+              <a:spcAft>
+                <a:spcPts val="0"/>
+              </a:spcAft>
+              <a:buClr>
+                <a:schemeClr val="accent1"/>
+              </a:buClr>
+              <a:buSzPct val="80000"/>
+              <a:buFont typeface="Wingdings 3" charset="2"/>
+              <a:buChar char=""/>
+              <a:defRPr sz="1600" kern="1200">
+                <a:solidFill>
+                  <a:schemeClr val="tx1">
+                    <a:lumMod val="75000"/>
+                    <a:lumOff val="25000"/>
+                  </a:schemeClr>
+                </a:solidFill>
+                <a:latin typeface="+mn-lt"/>
+                <a:ea typeface="+mn-ea"/>
+                <a:cs typeface="+mn-cs"/>
+              </a:defRPr>
+            </a:lvl2pPr>
+            <a:lvl3pPr marL="1143000" indent="-228600" algn="l" defTabSz="457200" rtl="0" eaLnBrk="1" latinLnBrk="0" hangingPunct="1">
+              <a:spcBef>
+                <a:spcPts val="1000"/>
+              </a:spcBef>
+              <a:spcAft>
+                <a:spcPts val="0"/>
+              </a:spcAft>
+              <a:buClr>
+                <a:schemeClr val="accent1"/>
+              </a:buClr>
+              <a:buSzPct val="80000"/>
+              <a:buFont typeface="Wingdings 3" charset="2"/>
+              <a:buChar char=""/>
+              <a:defRPr sz="1400" kern="1200">
+                <a:solidFill>
+                  <a:schemeClr val="tx1">
+                    <a:lumMod val="75000"/>
+                    <a:lumOff val="25000"/>
+                  </a:schemeClr>
+                </a:solidFill>
+                <a:latin typeface="+mn-lt"/>
+                <a:ea typeface="+mn-ea"/>
+                <a:cs typeface="+mn-cs"/>
+              </a:defRPr>
+            </a:lvl3pPr>
+            <a:lvl4pPr marL="1600200" indent="-228600" algn="l" defTabSz="457200" rtl="0" eaLnBrk="1" latinLnBrk="0" hangingPunct="1">
+              <a:spcBef>
+                <a:spcPts val="1000"/>
+              </a:spcBef>
+              <a:spcAft>
+                <a:spcPts val="0"/>
+              </a:spcAft>
+              <a:buClr>
+                <a:schemeClr val="accent1"/>
+              </a:buClr>
+              <a:buSzPct val="80000"/>
+              <a:buFont typeface="Wingdings 3" charset="2"/>
+              <a:buChar char=""/>
+              <a:defRPr sz="1200" kern="1200">
+                <a:solidFill>
+                  <a:schemeClr val="tx1">
+                    <a:lumMod val="75000"/>
+                    <a:lumOff val="25000"/>
+                  </a:schemeClr>
+                </a:solidFill>
+                <a:latin typeface="+mn-lt"/>
+                <a:ea typeface="+mn-ea"/>
+                <a:cs typeface="+mn-cs"/>
+              </a:defRPr>
+            </a:lvl4pPr>
+            <a:lvl5pPr marL="2057400" indent="-228600" algn="l" defTabSz="457200" rtl="0" eaLnBrk="1" latinLnBrk="0" hangingPunct="1">
+              <a:spcBef>
+                <a:spcPts val="1000"/>
+              </a:spcBef>
+              <a:spcAft>
+                <a:spcPts val="0"/>
+              </a:spcAft>
+              <a:buClr>
+                <a:schemeClr val="accent1"/>
+              </a:buClr>
+              <a:buSzPct val="80000"/>
+              <a:buFont typeface="Wingdings 3" charset="2"/>
+              <a:buChar char=""/>
+              <a:defRPr sz="1200" kern="1200">
+                <a:solidFill>
+                  <a:schemeClr val="tx1">
+                    <a:lumMod val="75000"/>
+                    <a:lumOff val="25000"/>
+                  </a:schemeClr>
+                </a:solidFill>
+                <a:latin typeface="+mn-lt"/>
+                <a:ea typeface="+mn-ea"/>
+                <a:cs typeface="+mn-cs"/>
+              </a:defRPr>
+            </a:lvl5pPr>
+            <a:lvl6pPr marL="2514600" indent="-228600" algn="l" defTabSz="457200" rtl="0" eaLnBrk="1" latinLnBrk="0" hangingPunct="1">
+              <a:spcBef>
+                <a:spcPts val="1000"/>
+              </a:spcBef>
+              <a:spcAft>
+                <a:spcPts val="0"/>
+              </a:spcAft>
+              <a:buClr>
+                <a:schemeClr val="accent1"/>
+              </a:buClr>
+              <a:buSzPct val="80000"/>
+              <a:buFont typeface="Wingdings 3" charset="2"/>
+              <a:buChar char=""/>
+              <a:defRPr sz="1200" kern="1200">
+                <a:solidFill>
+                  <a:schemeClr val="tx1">
+                    <a:lumMod val="75000"/>
+                    <a:lumOff val="25000"/>
+                  </a:schemeClr>
+                </a:solidFill>
+                <a:latin typeface="+mn-lt"/>
+                <a:ea typeface="+mn-ea"/>
+                <a:cs typeface="+mn-cs"/>
+              </a:defRPr>
+            </a:lvl6pPr>
+            <a:lvl7pPr marL="2971800" indent="-228600" algn="l" defTabSz="457200" rtl="0" eaLnBrk="1" latinLnBrk="0" hangingPunct="1">
+              <a:spcBef>
+                <a:spcPts val="1000"/>
+              </a:spcBef>
+              <a:spcAft>
+                <a:spcPts val="0"/>
+              </a:spcAft>
+              <a:buClr>
+                <a:schemeClr val="accent1"/>
+              </a:buClr>
+              <a:buSzPct val="80000"/>
+              <a:buFont typeface="Wingdings 3" charset="2"/>
+              <a:buChar char=""/>
+              <a:defRPr sz="1200" kern="1200">
+                <a:solidFill>
+                  <a:schemeClr val="tx1">
+                    <a:lumMod val="75000"/>
+                    <a:lumOff val="25000"/>
+                  </a:schemeClr>
+                </a:solidFill>
+                <a:latin typeface="+mn-lt"/>
+                <a:ea typeface="+mn-ea"/>
+                <a:cs typeface="+mn-cs"/>
+              </a:defRPr>
+            </a:lvl7pPr>
+            <a:lvl8pPr marL="3429000" indent="-228600" algn="l" defTabSz="457200" rtl="0" eaLnBrk="1" latinLnBrk="0" hangingPunct="1">
+              <a:spcBef>
+                <a:spcPts val="1000"/>
+              </a:spcBef>
+              <a:spcAft>
+                <a:spcPts val="0"/>
+              </a:spcAft>
+              <a:buClr>
+                <a:schemeClr val="accent1"/>
+              </a:buClr>
+              <a:buSzPct val="80000"/>
+              <a:buFont typeface="Wingdings 3" charset="2"/>
+              <a:buChar char=""/>
+              <a:defRPr sz="1200" kern="1200">
+                <a:solidFill>
+                  <a:schemeClr val="tx1">
+                    <a:lumMod val="75000"/>
+                    <a:lumOff val="25000"/>
+                  </a:schemeClr>
+                </a:solidFill>
+                <a:latin typeface="+mn-lt"/>
+                <a:ea typeface="+mn-ea"/>
+                <a:cs typeface="+mn-cs"/>
+              </a:defRPr>
+            </a:lvl8pPr>
+            <a:lvl9pPr marL="3886200" indent="-228600" algn="l" defTabSz="457200" rtl="0" eaLnBrk="1" latinLnBrk="0" hangingPunct="1">
+              <a:spcBef>
+                <a:spcPts val="1000"/>
+              </a:spcBef>
+              <a:spcAft>
+                <a:spcPts val="0"/>
+              </a:spcAft>
+              <a:buClr>
+                <a:schemeClr val="accent1"/>
+              </a:buClr>
+              <a:buSzPct val="80000"/>
+              <a:buFont typeface="Wingdings 3" charset="2"/>
+              <a:buChar char=""/>
+              <a:defRPr sz="1200" kern="1200">
+                <a:solidFill>
+                  <a:schemeClr val="tx1">
+                    <a:lumMod val="75000"/>
+                    <a:lumOff val="25000"/>
+                  </a:schemeClr>
+                </a:solidFill>
+                <a:latin typeface="+mn-lt"/>
+                <a:ea typeface="+mn-ea"/>
+                <a:cs typeface="+mn-cs"/>
+              </a:defRPr>
+            </a:lvl9pPr>
+          </a:lstStyle>
+          <a:p>
+            <a:r>
+              <a:rPr lang="en-US" dirty="0"/>
+              <a:t>To test application you can use some REST client like </a:t>
+            </a:r>
+            <a:r>
+              <a:rPr lang="en-US" dirty="0" err="1">
+                <a:hlinkClick r:id="rId2"/>
+              </a:rPr>
+              <a:t>Restlet</a:t>
+            </a:r>
+            <a:r>
+              <a:rPr lang="en-US" dirty="0">
+                <a:hlinkClick r:id="rId2"/>
+              </a:rPr>
+              <a:t> Client</a:t>
+            </a:r>
+            <a:endParaRPr lang="en-US" dirty="0"/>
+          </a:p>
+          <a:p>
+            <a:endParaRPr lang="en-US" dirty="0">
+              <a:latin typeface="Courier New" panose="02070309020205020404" pitchFamily="49" charset="0"/>
+              <a:cs typeface="Courier New" panose="02070309020205020404" pitchFamily="49" charset="0"/>
+            </a:endParaRPr>
           </a:p>
         </p:txBody>
       </p:sp>
@@ -6147,12 +6790,21 @@
             <p:ph type="title"/>
           </p:nvPr>
         </p:nvSpPr>
-        <p:spPr/>
+        <p:spPr>
+          <a:xfrm>
+            <a:off x="677334" y="609600"/>
+            <a:ext cx="8596668" cy="1320800"/>
+          </a:xfrm>
+        </p:spPr>
         <p:txBody>
           <a:bodyPr/>
           <a:lstStyle/>
           <a:p>
-            <a:endParaRPr lang="pl-PL"/>
+            <a:r>
+              <a:rPr lang="en-US" dirty="0"/>
+              <a:t>Test Application</a:t>
+            </a:r>
+            <a:endParaRPr lang="pl-PL" dirty="0"/>
           </a:p>
         </p:txBody>
       </p:sp>
@@ -6180,7 +6832,7 @@
         </p:blipFill>
         <p:spPr>
           <a:xfrm>
-            <a:off x="5721635" y="2218461"/>
+            <a:off x="677334" y="2366963"/>
             <a:ext cx="4944291" cy="3881437"/>
           </a:xfrm>
           <a:prstGeom prst="rect">
@@ -6202,8 +6854,8 @@
         </p:nvSpPr>
         <p:spPr>
           <a:xfrm>
-            <a:off x="1873954" y="4930347"/>
-            <a:ext cx="3702757" cy="1169551"/>
+            <a:off x="677334" y="1345624"/>
+            <a:ext cx="4906794" cy="892552"/>
           </a:xfrm>
           <a:prstGeom prst="rect">
             <a:avLst/>
@@ -6215,6 +6867,29 @@
           </a:bodyPr>
           <a:lstStyle/>
           <a:p>
+            <a:r>
+              <a:rPr lang="en-US" dirty="0">
+                <a:solidFill>
+                  <a:schemeClr val="tx1">
+                    <a:lumMod val="75000"/>
+                    <a:lumOff val="25000"/>
+                  </a:schemeClr>
+                </a:solidFill>
+              </a:rPr>
+              <a:t>To create user you should send HTTP POST to:</a:t>
+            </a:r>
+          </a:p>
+          <a:p>
+            <a:r>
+              <a:rPr lang="en-US" sz="1200" u="sng" dirty="0">
+                <a:hlinkClick r:id="rId3"/>
+              </a:rPr>
+              <a:t>http://localhost:8081/users/</a:t>
+            </a:r>
+            <a:r>
+              <a:rPr lang="en-US" sz="1200" dirty="0"/>
+              <a:t> </a:t>
+            </a:r>
             <a:br>
               <a:rPr lang="pl-PL" sz="1400" dirty="0">
                 <a:latin typeface="Courier New" panose="02070309020205020404" pitchFamily="49" charset="0"/>
@@ -6222,228 +6897,85 @@
               </a:rPr>
             </a:br>
             <a:r>
-              <a:rPr lang="pl-PL" sz="1400" dirty="0">
+              <a:rPr lang="pl-PL" sz="1000" dirty="0">
                 <a:solidFill>
                   <a:srgbClr val="1A1A1A"/>
                 </a:solidFill>
                 <a:latin typeface="Courier New" panose="02070309020205020404" pitchFamily="49" charset="0"/>
                 <a:cs typeface="Courier New" panose="02070309020205020404" pitchFamily="49" charset="0"/>
               </a:rPr>
-              <a:t>{"</a:t>
-            </a:r>
-            <a:r>
-              <a:rPr lang="pl-PL" sz="1400" dirty="0" err="1">
-                <a:solidFill>
-                  <a:srgbClr val="1A1A1A"/>
-                </a:solidFill>
-                <a:latin typeface="Courier New" panose="02070309020205020404" pitchFamily="49" charset="0"/>
-                <a:cs typeface="Courier New" panose="02070309020205020404" pitchFamily="49" charset="0"/>
-              </a:rPr>
-              <a:t>username</a:t>
-            </a:r>
-            <a:r>
-              <a:rPr lang="pl-PL" sz="1400" dirty="0">
-                <a:solidFill>
-                  <a:srgbClr val="1A1A1A"/>
-                </a:solidFill>
-                <a:latin typeface="Courier New" panose="02070309020205020404" pitchFamily="49" charset="0"/>
-                <a:cs typeface="Courier New" panose="02070309020205020404" pitchFamily="49" charset="0"/>
-              </a:rPr>
-              <a:t>":"</a:t>
-            </a:r>
-            <a:r>
-              <a:rPr lang="pl-PL" sz="1400" dirty="0" err="1">
-                <a:solidFill>
-                  <a:srgbClr val="1A1A1A"/>
-                </a:solidFill>
-                <a:latin typeface="Courier New" panose="02070309020205020404" pitchFamily="49" charset="0"/>
-                <a:cs typeface="Courier New" panose="02070309020205020404" pitchFamily="49" charset="0"/>
-              </a:rPr>
-              <a:t>testy_testerson</a:t>
-            </a:r>
-            <a:r>
-              <a:rPr lang="pl-PL" sz="1400" dirty="0">
-                <a:solidFill>
-                  <a:srgbClr val="1A1A1A"/>
-                </a:solidFill>
-                <a:latin typeface="Courier New" panose="02070309020205020404" pitchFamily="49" charset="0"/>
-                <a:cs typeface="Courier New" panose="02070309020205020404" pitchFamily="49" charset="0"/>
-              </a:rPr>
-              <a:t>", "</a:t>
-            </a:r>
-            <a:r>
-              <a:rPr lang="pl-PL" sz="1400" dirty="0" err="1">
-                <a:solidFill>
-                  <a:srgbClr val="1A1A1A"/>
-                </a:solidFill>
-                <a:latin typeface="Courier New" panose="02070309020205020404" pitchFamily="49" charset="0"/>
-                <a:cs typeface="Courier New" panose="02070309020205020404" pitchFamily="49" charset="0"/>
-              </a:rPr>
-              <a:t>password</a:t>
-            </a:r>
-            <a:r>
-              <a:rPr lang="pl-PL" sz="1400" dirty="0">
-                <a:solidFill>
-                  <a:srgbClr val="1A1A1A"/>
-                </a:solidFill>
-                <a:latin typeface="Courier New" panose="02070309020205020404" pitchFamily="49" charset="0"/>
-                <a:cs typeface="Courier New" panose="02070309020205020404" pitchFamily="49" charset="0"/>
-              </a:rPr>
-              <a:t>":"pa$$W0rd", "</a:t>
-            </a:r>
-            <a:r>
-              <a:rPr lang="pl-PL" sz="1400" dirty="0" err="1">
-                <a:solidFill>
-                  <a:srgbClr val="1A1A1A"/>
-                </a:solidFill>
-                <a:latin typeface="Courier New" panose="02070309020205020404" pitchFamily="49" charset="0"/>
-                <a:cs typeface="Courier New" panose="02070309020205020404" pitchFamily="49" charset="0"/>
-              </a:rPr>
-              <a:t>firstName</a:t>
-            </a:r>
-            <a:r>
-              <a:rPr lang="pl-PL" sz="1400" dirty="0">
-                <a:solidFill>
-                  <a:srgbClr val="1A1A1A"/>
-                </a:solidFill>
-                <a:latin typeface="Courier New" panose="02070309020205020404" pitchFamily="49" charset="0"/>
-                <a:cs typeface="Courier New" panose="02070309020205020404" pitchFamily="49" charset="0"/>
-              </a:rPr>
-              <a:t>":"Testy", "</a:t>
-            </a:r>
-            <a:r>
-              <a:rPr lang="pl-PL" sz="1400" dirty="0" err="1">
-                <a:solidFill>
-                  <a:srgbClr val="1A1A1A"/>
-                </a:solidFill>
-                <a:latin typeface="Courier New" panose="02070309020205020404" pitchFamily="49" charset="0"/>
-                <a:cs typeface="Courier New" panose="02070309020205020404" pitchFamily="49" charset="0"/>
-              </a:rPr>
-              <a:t>lastName</a:t>
-            </a:r>
-            <a:r>
-              <a:rPr lang="pl-PL" sz="1400" dirty="0">
-                <a:solidFill>
-                  <a:srgbClr val="1A1A1A"/>
-                </a:solidFill>
-                <a:latin typeface="Courier New" panose="02070309020205020404" pitchFamily="49" charset="0"/>
-                <a:cs typeface="Courier New" panose="02070309020205020404" pitchFamily="49" charset="0"/>
-              </a:rPr>
-              <a:t>":"</a:t>
-            </a:r>
-            <a:r>
-              <a:rPr lang="pl-PL" sz="1400" dirty="0" err="1">
-                <a:solidFill>
-                  <a:srgbClr val="1A1A1A"/>
-                </a:solidFill>
-                <a:latin typeface="Courier New" panose="02070309020205020404" pitchFamily="49" charset="0"/>
-                <a:cs typeface="Courier New" panose="02070309020205020404" pitchFamily="49" charset="0"/>
-              </a:rPr>
-              <a:t>Testerson</a:t>
-            </a:r>
-            <a:r>
-              <a:rPr lang="pl-PL" sz="1400" dirty="0">
-                <a:solidFill>
-                  <a:srgbClr val="1A1A1A"/>
-                </a:solidFill>
-                <a:latin typeface="Courier New" panose="02070309020205020404" pitchFamily="49" charset="0"/>
-                <a:cs typeface="Courier New" panose="02070309020205020404" pitchFamily="49" charset="0"/>
-              </a:rPr>
-              <a:t>"}</a:t>
-            </a:r>
-            <a:endParaRPr lang="pl-PL" sz="1400" dirty="0">
+              <a:t>{"username":"testy_testerson", "password":"pa$$W0rd", "firstName":"Testy", "lastName":"Testerson"}</a:t>
+            </a:r>
+            <a:endParaRPr lang="pl-PL" sz="1000" dirty="0">
               <a:latin typeface="Courier New" panose="02070309020205020404" pitchFamily="49" charset="0"/>
               <a:cs typeface="Courier New" panose="02070309020205020404" pitchFamily="49" charset="0"/>
             </a:endParaRPr>
           </a:p>
         </p:txBody>
       </p:sp>
-    </p:spTree>
-    <p:extLst>
-      <p:ext uri="{BB962C8B-B14F-4D97-AF65-F5344CB8AC3E}">
-        <p14:creationId xmlns:p14="http://schemas.microsoft.com/office/powerpoint/2010/main" val="439255564"/>
-      </p:ext>
-    </p:extLst>
-  </p:cSld>
-  <p:clrMapOvr>
-    <a:masterClrMapping/>
-  </p:clrMapOvr>
-</p:sld>
-</file>
-
-<file path=ppt/slides/slide13.xml><?xml version="1.0" encoding="utf-8"?>
-<p:sld xmlns:a="http://schemas.openxmlformats.org/drawingml/2006/main" xmlns:r="http://schemas.openxmlformats.org/officeDocument/2006/relationships" xmlns:p="http://schemas.openxmlformats.org/presentationml/2006/main">
-  <p:cSld>
-    <p:spTree>
-      <p:nvGrpSpPr>
-        <p:cNvPr id="1" name=""/>
-        <p:cNvGrpSpPr/>
-        <p:nvPr/>
-      </p:nvGrpSpPr>
-      <p:grpSpPr>
-        <a:xfrm>
-          <a:off x="0" y="0"/>
-          <a:ext cx="0" cy="0"/>
-          <a:chOff x="0" y="0"/>
-          <a:chExt cx="0" cy="0"/>
-        </a:xfrm>
-      </p:grpSpPr>
-      <p:sp>
-        <p:nvSpPr>
-          <p:cNvPr id="2" name="Title 1">
+      <p:sp>
+        <p:nvSpPr>
+          <p:cNvPr id="7" name="Rectangle 6">
             <a:extLst>
               <a:ext uri="{FF2B5EF4-FFF2-40B4-BE49-F238E27FC236}">
-                <a16:creationId xmlns:a16="http://schemas.microsoft.com/office/drawing/2014/main" id="{88C733BC-72B4-4B45-B96A-C22B34C7E740}"/>
+                <a16:creationId xmlns:a16="http://schemas.microsoft.com/office/drawing/2014/main" id="{FF78E487-AD4E-4E7C-B626-EA293D87A15A}"/>
               </a:ext>
             </a:extLst>
           </p:cNvPr>
-          <p:cNvSpPr>
-            <a:spLocks noGrp="1"/>
-          </p:cNvSpPr>
-          <p:nvPr>
-            <p:ph type="title"/>
-          </p:nvPr>
-        </p:nvSpPr>
-        <p:spPr/>
-        <p:txBody>
-          <a:bodyPr/>
-          <a:lstStyle/>
-          <a:p>
-            <a:endParaRPr lang="pl-PL"/>
-          </a:p>
-        </p:txBody>
-      </p:sp>
-      <p:sp>
-        <p:nvSpPr>
-          <p:cNvPr id="3" name="Content Placeholder 2">
+          <p:cNvSpPr/>
+          <p:nvPr/>
+        </p:nvSpPr>
+        <p:spPr>
+          <a:xfrm>
+            <a:off x="6029265" y="1345624"/>
+            <a:ext cx="4906794" cy="553998"/>
+          </a:xfrm>
+          <a:prstGeom prst="rect">
+            <a:avLst/>
+          </a:prstGeom>
+        </p:spPr>
+        <p:txBody>
+          <a:bodyPr wrap="square">
+            <a:spAutoFit/>
+          </a:bodyPr>
+          <a:lstStyle/>
+          <a:p>
+            <a:r>
+              <a:rPr lang="en-US" dirty="0">
+                <a:solidFill>
+                  <a:schemeClr val="tx1">
+                    <a:lumMod val="75000"/>
+                    <a:lumOff val="25000"/>
+                  </a:schemeClr>
+                </a:solidFill>
+              </a:rPr>
+              <a:t>To list all users you should send HTTP GET to:</a:t>
+            </a:r>
+          </a:p>
+          <a:p>
+            <a:r>
+              <a:rPr lang="en-US" sz="1200" u="sng" dirty="0">
+                <a:hlinkClick r:id="rId3"/>
+              </a:rPr>
+              <a:t>http://localhost:8081/users/</a:t>
+            </a:r>
+            <a:r>
+              <a:rPr lang="en-US" sz="1200" dirty="0"/>
+              <a:t> </a:t>
+            </a:r>
+            <a:endParaRPr lang="pl-PL" sz="1000" dirty="0">
+              <a:latin typeface="Courier New" panose="02070309020205020404" pitchFamily="49" charset="0"/>
+              <a:cs typeface="Courier New" panose="02070309020205020404" pitchFamily="49" charset="0"/>
+            </a:endParaRPr>
+          </a:p>
+        </p:txBody>
+      </p:sp>
+      <p:pic>
+        <p:nvPicPr>
+          <p:cNvPr id="8" name="Picture 7">
             <a:extLst>
               <a:ext uri="{FF2B5EF4-FFF2-40B4-BE49-F238E27FC236}">
-                <a16:creationId xmlns:a16="http://schemas.microsoft.com/office/drawing/2014/main" id="{B0F0C387-D85D-43D3-BFCB-E571EABE43EE}"/>
-              </a:ext>
-            </a:extLst>
-          </p:cNvPr>
-          <p:cNvSpPr>
-            <a:spLocks noGrp="1"/>
-          </p:cNvSpPr>
-          <p:nvPr>
-            <p:ph idx="1"/>
-          </p:nvPr>
-        </p:nvSpPr>
-        <p:spPr/>
-        <p:txBody>
-          <a:bodyPr/>
-          <a:lstStyle/>
-          <a:p>
-            <a:endParaRPr lang="pl-PL"/>
-          </a:p>
-        </p:txBody>
-      </p:sp>
-      <p:pic>
-        <p:nvPicPr>
-          <p:cNvPr id="4" name="Picture 3">
-            <a:extLst>
-              <a:ext uri="{FF2B5EF4-FFF2-40B4-BE49-F238E27FC236}">
-                <a16:creationId xmlns:a16="http://schemas.microsoft.com/office/drawing/2014/main" id="{EBBC8E67-32A8-49B2-805A-FDB753C97527}"/>
+                <a16:creationId xmlns:a16="http://schemas.microsoft.com/office/drawing/2014/main" id="{96CBAADB-A6DF-4B14-86C9-C5251D46650B}"/>
               </a:ext>
             </a:extLst>
           </p:cNvPr>
@@ -6453,15 +6985,15 @@
           <p:nvPr/>
         </p:nvPicPr>
         <p:blipFill>
-          <a:blip r:embed="rId2"/>
+          <a:blip r:embed="rId4"/>
           <a:stretch>
             <a:fillRect/>
           </a:stretch>
         </p:blipFill>
         <p:spPr>
           <a:xfrm>
-            <a:off x="5781880" y="1270000"/>
-            <a:ext cx="5732786" cy="4370388"/>
+            <a:off x="6029265" y="2366962"/>
+            <a:ext cx="5091412" cy="3881437"/>
           </a:xfrm>
           <a:prstGeom prst="rect">
             <a:avLst/>
@@ -6471,7 +7003,7 @@
     </p:spTree>
     <p:extLst>
       <p:ext uri="{BB962C8B-B14F-4D97-AF65-F5344CB8AC3E}">
-        <p14:creationId xmlns:p14="http://schemas.microsoft.com/office/powerpoint/2010/main" val="206726761"/>
+        <p14:creationId xmlns:p14="http://schemas.microsoft.com/office/powerpoint/2010/main" val="439255564"/>
       </p:ext>
     </p:extLst>
   </p:cSld>
